--- a/Partie personnelle Lucas MINAUD/revue/Projet SFL5 revue 2.pptx
+++ b/Partie personnelle Lucas MINAUD/revue/Projet SFL5 revue 2.pptx
@@ -211,7 +211,7 @@
           <a:p>
             <a:fld id="{764A366E-9195-46B4-B58D-705CDFB21A9B}" type="datetimeFigureOut">
               <a:rPr lang="fr-FR" smtClean="0"/>
-              <a:t>05/02/2019</a:t>
+              <a:t>03/06/2019</a:t>
             </a:fld>
             <a:endParaRPr lang="fr-FR"/>
           </a:p>
@@ -664,7 +664,7 @@
           <a:p>
             <a:fld id="{9CDF7F9E-6E00-4113-AC73-E5BFAE78A350}" type="datetime1">
               <a:rPr lang="en-US" smtClean="0"/>
-              <a:t>2/5/2019</a:t>
+              <a:t>6/3/2019</a:t>
             </a:fld>
             <a:endParaRPr lang="en-US" dirty="0"/>
           </a:p>
@@ -939,7 +939,7 @@
           <a:p>
             <a:fld id="{E840E6B9-93CF-42CA-B465-555B0EC11436}" type="datetime1">
               <a:rPr lang="en-US" smtClean="0"/>
-              <a:t>2/5/2019</a:t>
+              <a:t>6/3/2019</a:t>
             </a:fld>
             <a:endParaRPr lang="en-US" dirty="0"/>
           </a:p>
@@ -1133,7 +1133,7 @@
           <a:p>
             <a:fld id="{78CB7E90-CA85-4AA1-851F-4E2730D64063}" type="datetime1">
               <a:rPr lang="en-US" smtClean="0"/>
-              <a:t>2/5/2019</a:t>
+              <a:t>6/3/2019</a:t>
             </a:fld>
             <a:endParaRPr lang="en-US" dirty="0"/>
           </a:p>
@@ -1406,7 +1406,7 @@
           <a:p>
             <a:fld id="{0A2439F4-E9B6-4625-9BB9-AE40B02AD432}" type="datetime1">
               <a:rPr lang="en-US" smtClean="0"/>
-              <a:t>2/5/2019</a:t>
+              <a:t>6/3/2019</a:t>
             </a:fld>
             <a:endParaRPr lang="en-US" dirty="0"/>
           </a:p>
@@ -1747,7 +1747,7 @@
           <a:p>
             <a:fld id="{1A914FA2-746B-4C8A-9CD2-2B606132B94A}" type="datetime1">
               <a:rPr lang="en-US" smtClean="0"/>
-              <a:t>2/5/2019</a:t>
+              <a:t>6/3/2019</a:t>
             </a:fld>
             <a:endParaRPr lang="en-US" dirty="0"/>
           </a:p>
@@ -2370,7 +2370,7 @@
           <a:p>
             <a:fld id="{9B548488-A4A1-4340-883F-12C74A2607E5}" type="datetime1">
               <a:rPr lang="en-US" smtClean="0"/>
-              <a:t>2/5/2019</a:t>
+              <a:t>6/3/2019</a:t>
             </a:fld>
             <a:endParaRPr lang="en-US" dirty="0"/>
           </a:p>
@@ -3230,7 +3230,7 @@
           <a:p>
             <a:fld id="{97732198-F6B0-44A5-ACC5-433F36B62B44}" type="datetime1">
               <a:rPr lang="en-US" smtClean="0"/>
-              <a:t>2/5/2019</a:t>
+              <a:t>6/3/2019</a:t>
             </a:fld>
             <a:endParaRPr lang="en-US" dirty="0"/>
           </a:p>
@@ -3400,7 +3400,7 @@
           <a:p>
             <a:fld id="{0173C52C-1632-4E92-AF28-1395657B955B}" type="datetime1">
               <a:rPr lang="en-US" smtClean="0"/>
-              <a:t>2/5/2019</a:t>
+              <a:t>6/3/2019</a:t>
             </a:fld>
             <a:endParaRPr lang="en-US" dirty="0"/>
           </a:p>
@@ -3580,7 +3580,7 @@
           <a:p>
             <a:fld id="{7D075721-1386-499D-9B55-B471B1C7294E}" type="datetime1">
               <a:rPr lang="en-US" smtClean="0"/>
-              <a:t>2/5/2019</a:t>
+              <a:t>6/3/2019</a:t>
             </a:fld>
             <a:endParaRPr lang="en-US" dirty="0"/>
           </a:p>
@@ -3750,7 +3750,7 @@
           <a:p>
             <a:fld id="{8D234204-FC47-43D3-B2BF-9AB8F6BB8033}" type="datetime1">
               <a:rPr lang="en-US" smtClean="0"/>
-              <a:t>2/5/2019</a:t>
+              <a:t>6/3/2019</a:t>
             </a:fld>
             <a:endParaRPr lang="en-US" dirty="0"/>
           </a:p>
@@ -3997,7 +3997,7 @@
           <a:p>
             <a:fld id="{BB67C589-0300-45F0-BAEA-561B4F501A57}" type="datetime1">
               <a:rPr lang="en-US" smtClean="0"/>
-              <a:t>2/5/2019</a:t>
+              <a:t>6/3/2019</a:t>
             </a:fld>
             <a:endParaRPr lang="en-US" dirty="0"/>
           </a:p>
@@ -4289,7 +4289,7 @@
           <a:p>
             <a:fld id="{BE29C66F-8B97-462D-98F3-8892F3D79662}" type="datetime1">
               <a:rPr lang="en-US" smtClean="0"/>
-              <a:t>2/5/2019</a:t>
+              <a:t>6/3/2019</a:t>
             </a:fld>
             <a:endParaRPr lang="en-US" dirty="0"/>
           </a:p>
@@ -4733,7 +4733,7 @@
           <a:p>
             <a:fld id="{B1EB9876-AD5C-42A7-9299-1DFE93E72350}" type="datetime1">
               <a:rPr lang="en-US" smtClean="0"/>
-              <a:t>2/5/2019</a:t>
+              <a:t>6/3/2019</a:t>
             </a:fld>
             <a:endParaRPr lang="en-US" dirty="0"/>
           </a:p>
@@ -4851,7 +4851,7 @@
           <a:p>
             <a:fld id="{EA6CC755-2BF6-404D-ACD3-8F04E5D38182}" type="datetime1">
               <a:rPr lang="en-US" smtClean="0"/>
-              <a:t>2/5/2019</a:t>
+              <a:t>6/3/2019</a:t>
             </a:fld>
             <a:endParaRPr lang="en-US" dirty="0"/>
           </a:p>
@@ -4946,7 +4946,7 @@
           <a:p>
             <a:fld id="{C76944B8-02F7-40F0-8860-1C8AC98BA408}" type="datetime1">
               <a:rPr lang="en-US" smtClean="0"/>
-              <a:t>2/5/2019</a:t>
+              <a:t>6/3/2019</a:t>
             </a:fld>
             <a:endParaRPr lang="en-US" dirty="0"/>
           </a:p>
@@ -5225,7 +5225,7 @@
           <a:p>
             <a:fld id="{636148EB-7BCA-4EAB-ADB3-F7144A20F2CD}" type="datetime1">
               <a:rPr lang="en-US" smtClean="0"/>
-              <a:t>2/5/2019</a:t>
+              <a:t>6/3/2019</a:t>
             </a:fld>
             <a:endParaRPr lang="en-US" dirty="0"/>
           </a:p>
@@ -5500,7 +5500,7 @@
           <a:p>
             <a:fld id="{10A3A75D-5AD9-4DBD-9280-4E4EDD19861D}" type="datetime1">
               <a:rPr lang="en-US" smtClean="0"/>
-              <a:t>2/5/2019</a:t>
+              <a:t>6/3/2019</a:t>
             </a:fld>
             <a:endParaRPr lang="en-US" dirty="0"/>
           </a:p>
@@ -5929,7 +5929,7 @@
           <a:p>
             <a:fld id="{D0F6AA27-76AE-4C27-81EA-FDCF515A2523}" type="datetime1">
               <a:rPr lang="en-US" smtClean="0"/>
-              <a:t>2/5/2019</a:t>
+              <a:t>6/3/2019</a:t>
             </a:fld>
             <a:endParaRPr lang="en-US" dirty="0"/>
           </a:p>
@@ -6635,6 +6635,97 @@
           </a:p>
         </p:txBody>
       </p:sp>
+      <p:pic>
+        <p:nvPicPr>
+          <p:cNvPr id="6" name="Image 5" descr="Une image contenant ciel&#10;&#10;Description générée automatiquement">
+            <a:extLst>
+              <a:ext uri="{FF2B5EF4-FFF2-40B4-BE49-F238E27FC236}">
+                <a16:creationId xmlns:a16="http://schemas.microsoft.com/office/drawing/2014/main" id="{30BE1401-82BE-4C9A-9C79-9ACCC39E3762}"/>
+              </a:ext>
+            </a:extLst>
+          </p:cNvPr>
+          <p:cNvPicPr>
+            <a:picLocks noChangeAspect="1"/>
+          </p:cNvPicPr>
+          <p:nvPr/>
+        </p:nvPicPr>
+        <p:blipFill>
+          <a:blip r:embed="rId5">
+            <a:extLst>
+              <a:ext uri="{BEBA8EAE-BF5A-486C-A8C5-ECC9F3942E4B}">
+                <a14:imgProps xmlns:a14="http://schemas.microsoft.com/office/drawing/2010/main">
+                  <a14:imgLayer r:embed="rId6">
+                    <a14:imgEffect>
+                      <a14:backgroundRemoval t="7229" b="96386" l="9913" r="94752">
+                        <a14:foregroundMark x1="60058" y1="9337" x2="61224" y2="7530"/>
+                        <a14:foregroundMark x1="47813" y1="18675" x2="45697" y2="20227"/>
+                        <a14:foregroundMark x1="28280" y1="43373" x2="29155" y2="42470"/>
+                        <a14:foregroundMark x1="31487" y1="75904" x2="22449" y2="80723"/>
+                        <a14:foregroundMark x1="22449" y1="80723" x2="26239" y2="89759"/>
+                        <a14:foregroundMark x1="26239" y1="89759" x2="32653" y2="82229"/>
+                        <a14:foregroundMark x1="32653" y1="82229" x2="32653" y2="81928"/>
+                        <a14:foregroundMark x1="28571" y1="93072" x2="25073" y2="93072"/>
+                        <a14:foregroundMark x1="23032" y1="92470" x2="35569" y2="96386"/>
+                        <a14:foregroundMark x1="35569" y1="96386" x2="37609" y2="93072"/>
+                        <a14:foregroundMark x1="90120" y1="39384" x2="90130" y2="39547"/>
+                        <a14:foregroundMark x1="90087" y1="38855" x2="90072" y2="38622"/>
+                        <a14:foregroundMark x1="93952" y1="50855" x2="94009" y2="51505"/>
+                        <a14:foregroundMark x1="93588" y1="46717" x2="93642" y2="47328"/>
+                        <a14:foregroundMark x1="93644" y1="55755" x2="92420" y2="61446"/>
+                        <a14:foregroundMark x1="94082" y1="53719" x2="93975" y2="54217"/>
+                        <a14:foregroundMark x1="41983" y1="24398" x2="43732" y2="22590"/>
+                        <a14:foregroundMark x1="93294" y1="48494" x2="93294" y2="48494"/>
+                        <a14:foregroundMark x1="93878" y1="48795" x2="91837" y2="48193"/>
+                        <a14:foregroundMark x1="87865" y1="40661" x2="88047" y2="39157"/>
+                        <a14:foregroundMark x1="87876" y1="40572" x2="87793" y2="41261"/>
+                        <a14:foregroundMark x1="93003" y1="46687" x2="94752" y2="46687"/>
+                        <a14:foregroundMark x1="92420" y1="46687" x2="93586" y2="46386"/>
+                        <a14:foregroundMark x1="87172" y1="41566" x2="86880" y2="44880"/>
+                        <a14:backgroundMark x1="34402" y1="29819" x2="42870" y2="22238"/>
+                        <a14:backgroundMark x1="42566" y1="21687" x2="43487" y2="20735"/>
+                        <a14:backgroundMark x1="43273" y1="21258" x2="42566" y2="21988"/>
+                        <a14:backgroundMark x1="44710" y1="20210" x2="46064" y2="19277"/>
+                        <a14:backgroundMark x1="31778" y1="45482" x2="31778" y2="44880"/>
+                        <a14:backgroundMark x1="32070" y1="55723" x2="31487" y2="51807"/>
+                        <a14:backgroundMark x1="88047" y1="50000" x2="90769" y2="49784"/>
+                        <a14:backgroundMark x1="92002" y1="51726" x2="92420" y2="51807"/>
+                        <a14:backgroundMark x1="87755" y1="50904" x2="91389" y2="51608"/>
+                        <a14:backgroundMark x1="89919" y1="51202" x2="87464" y2="50904"/>
+                        <a14:backgroundMark x1="92420" y1="51506" x2="90007" y2="51213"/>
+                        <a14:backgroundMark x1="92816" y1="50062" x2="92711" y2="50602"/>
+                        <a14:backgroundMark x1="90975" y1="49398" x2="87464" y2="49398"/>
+                        <a14:backgroundMark x1="87172" y1="49699" x2="87172" y2="53012"/>
+                        <a14:backgroundMark x1="88047" y1="45482" x2="88047" y2="45482"/>
+                        <a14:backgroundMark x1="88338" y1="41676" x2="88338" y2="41265"/>
+                        <a14:backgroundMark x1="88338" y1="45482" x2="88338" y2="45016"/>
+                        <a14:backgroundMark x1="88338" y1="41265" x2="88667" y2="41707"/>
+                        <a14:backgroundMark x1="90553" y1="45223" x2="90671" y2="45482"/>
+                        <a14:backgroundMark x1="88338" y1="40361" x2="88964" y2="41734"/>
+                        <a14:backgroundMark x1="91837" y1="45783" x2="92420" y2="45783"/>
+                        <a14:backgroundMark x1="91899" y1="44436" x2="92955" y2="45683"/>
+                        <a14:backgroundMark x1="88338" y1="45181" x2="91254" y2="45482"/>
+                        <a14:backgroundMark x1="89213" y1="44880" x2="88921" y2="42169"/>
+                      </a14:backgroundRemoval>
+                    </a14:imgEffect>
+                  </a14:imgLayer>
+                </a14:imgProps>
+              </a:ext>
+            </a:extLst>
+          </a:blip>
+          <a:stretch>
+            <a:fillRect/>
+          </a:stretch>
+        </p:blipFill>
+        <p:spPr>
+          <a:xfrm>
+            <a:off x="6888761" y="543"/>
+            <a:ext cx="3232391" cy="3128728"/>
+          </a:xfrm>
+          <a:prstGeom prst="rect">
+            <a:avLst/>
+          </a:prstGeom>
+        </p:spPr>
+      </p:pic>
     </p:spTree>
     <p:extLst>
       <p:ext uri="{BB962C8B-B14F-4D97-AF65-F5344CB8AC3E}">
@@ -7571,6 +7662,110 @@
           </a:p>
         </p:txBody>
       </p:sp>
+      <p:sp>
+        <p:nvSpPr>
+          <p:cNvPr id="7" name="Rectangle 6">
+            <a:extLst>
+              <a:ext uri="{FF2B5EF4-FFF2-40B4-BE49-F238E27FC236}">
+                <a16:creationId xmlns:a16="http://schemas.microsoft.com/office/drawing/2014/main" id="{9E4ABDE7-29AC-442E-8902-02CAE87A8397}"/>
+              </a:ext>
+            </a:extLst>
+          </p:cNvPr>
+          <p:cNvSpPr/>
+          <p:nvPr/>
+        </p:nvSpPr>
+        <p:spPr>
+          <a:xfrm rot="16200000">
+            <a:off x="-3308685" y="3308684"/>
+            <a:ext cx="6858003" cy="240631"/>
+          </a:xfrm>
+          <a:prstGeom prst="rect">
+            <a:avLst/>
+          </a:prstGeom>
+          <a:ln>
+            <a:solidFill>
+              <a:srgbClr val="7D9B23">
+                <a:alpha val="47843"/>
+              </a:srgbClr>
+            </a:solidFill>
+          </a:ln>
+        </p:spPr>
+        <p:style>
+          <a:lnRef idx="2">
+            <a:schemeClr val="accent1">
+              <a:shade val="50000"/>
+            </a:schemeClr>
+          </a:lnRef>
+          <a:fillRef idx="1">
+            <a:schemeClr val="accent1"/>
+          </a:fillRef>
+          <a:effectRef idx="0">
+            <a:schemeClr val="accent1"/>
+          </a:effectRef>
+          <a:fontRef idx="minor">
+            <a:schemeClr val="lt1"/>
+          </a:fontRef>
+        </p:style>
+        <p:txBody>
+          <a:bodyPr rtlCol="0" anchor="ctr"/>
+          <a:lstStyle/>
+          <a:p>
+            <a:pPr algn="ctr"/>
+            <a:endParaRPr lang="fr-FR" dirty="0"/>
+          </a:p>
+        </p:txBody>
+      </p:sp>
+      <p:sp>
+        <p:nvSpPr>
+          <p:cNvPr id="8" name="Rectangle 7">
+            <a:extLst>
+              <a:ext uri="{FF2B5EF4-FFF2-40B4-BE49-F238E27FC236}">
+                <a16:creationId xmlns:a16="http://schemas.microsoft.com/office/drawing/2014/main" id="{1BC99E87-3F0A-4F28-A28E-7D15D2FF102C}"/>
+              </a:ext>
+            </a:extLst>
+          </p:cNvPr>
+          <p:cNvSpPr/>
+          <p:nvPr/>
+        </p:nvSpPr>
+        <p:spPr>
+          <a:xfrm rot="5400000">
+            <a:off x="-138767" y="138765"/>
+            <a:ext cx="518164" cy="240631"/>
+          </a:xfrm>
+          <a:prstGeom prst="rect">
+            <a:avLst/>
+          </a:prstGeom>
+          <a:solidFill>
+            <a:schemeClr val="accent1">
+              <a:lumMod val="50000"/>
+            </a:schemeClr>
+          </a:solidFill>
+        </p:spPr>
+        <p:style>
+          <a:lnRef idx="2">
+            <a:schemeClr val="accent1">
+              <a:shade val="50000"/>
+            </a:schemeClr>
+          </a:lnRef>
+          <a:fillRef idx="1">
+            <a:schemeClr val="accent1"/>
+          </a:fillRef>
+          <a:effectRef idx="0">
+            <a:schemeClr val="accent1"/>
+          </a:effectRef>
+          <a:fontRef idx="minor">
+            <a:schemeClr val="lt1"/>
+          </a:fontRef>
+        </p:style>
+        <p:txBody>
+          <a:bodyPr rtlCol="0" anchor="ctr"/>
+          <a:lstStyle/>
+          <a:p>
+            <a:pPr algn="ctr"/>
+            <a:endParaRPr lang="fr-FR"/>
+          </a:p>
+        </p:txBody>
+      </p:sp>
     </p:spTree>
     <p:extLst>
       <p:ext uri="{BB962C8B-B14F-4D97-AF65-F5344CB8AC3E}">
@@ -7624,7 +7819,7 @@
           <a:p>
             <a:r>
               <a:rPr lang="fr-FR" dirty="0"/>
-              <a:t>Présentation</a:t>
+              <a:t>Présentation du projet</a:t>
             </a:r>
           </a:p>
         </p:txBody>
@@ -7650,12 +7845,6 @@
           <a:bodyPr/>
           <a:lstStyle/>
           <a:p>
-            <a:r>
-              <a:rPr lang="fr-FR" dirty="0"/>
-              <a:t>(mettre photo de la serre)</a:t>
-            </a:r>
-          </a:p>
-          <a:p>
             <a:endParaRPr lang="fr-FR" dirty="0"/>
           </a:p>
         </p:txBody>
@@ -7686,6 +7875,161 @@
               <a:t>3</a:t>
             </a:fld>
             <a:endParaRPr lang="en-US" dirty="0"/>
+          </a:p>
+        </p:txBody>
+      </p:sp>
+      <p:sp>
+        <p:nvSpPr>
+          <p:cNvPr id="7" name="Rectangle 6">
+            <a:extLst>
+              <a:ext uri="{FF2B5EF4-FFF2-40B4-BE49-F238E27FC236}">
+                <a16:creationId xmlns:a16="http://schemas.microsoft.com/office/drawing/2014/main" id="{B9C9C2B4-169E-46EF-B691-FD8B1E8D4228}"/>
+              </a:ext>
+            </a:extLst>
+          </p:cNvPr>
+          <p:cNvSpPr/>
+          <p:nvPr/>
+        </p:nvSpPr>
+        <p:spPr>
+          <a:xfrm rot="16200000">
+            <a:off x="-3308685" y="3308684"/>
+            <a:ext cx="6858003" cy="240631"/>
+          </a:xfrm>
+          <a:prstGeom prst="rect">
+            <a:avLst/>
+          </a:prstGeom>
+          <a:ln>
+            <a:solidFill>
+              <a:srgbClr val="7D9B23">
+                <a:alpha val="47843"/>
+              </a:srgbClr>
+            </a:solidFill>
+          </a:ln>
+        </p:spPr>
+        <p:style>
+          <a:lnRef idx="2">
+            <a:schemeClr val="accent1">
+              <a:shade val="50000"/>
+            </a:schemeClr>
+          </a:lnRef>
+          <a:fillRef idx="1">
+            <a:schemeClr val="accent1"/>
+          </a:fillRef>
+          <a:effectRef idx="0">
+            <a:schemeClr val="accent1"/>
+          </a:effectRef>
+          <a:fontRef idx="minor">
+            <a:schemeClr val="lt1"/>
+          </a:fontRef>
+        </p:style>
+        <p:txBody>
+          <a:bodyPr rtlCol="0" anchor="ctr"/>
+          <a:lstStyle/>
+          <a:p>
+            <a:pPr algn="ctr"/>
+            <a:endParaRPr lang="fr-FR" dirty="0"/>
+          </a:p>
+        </p:txBody>
+      </p:sp>
+      <p:sp>
+        <p:nvSpPr>
+          <p:cNvPr id="8" name="Rectangle 7">
+            <a:extLst>
+              <a:ext uri="{FF2B5EF4-FFF2-40B4-BE49-F238E27FC236}">
+                <a16:creationId xmlns:a16="http://schemas.microsoft.com/office/drawing/2014/main" id="{41F590AB-94AB-4BDA-8DF2-1CB86CCACA8A}"/>
+              </a:ext>
+            </a:extLst>
+          </p:cNvPr>
+          <p:cNvSpPr/>
+          <p:nvPr/>
+        </p:nvSpPr>
+        <p:spPr>
+          <a:xfrm rot="5400000">
+            <a:off x="-138767" y="138765"/>
+            <a:ext cx="518164" cy="240631"/>
+          </a:xfrm>
+          <a:prstGeom prst="rect">
+            <a:avLst/>
+          </a:prstGeom>
+          <a:solidFill>
+            <a:schemeClr val="accent1">
+              <a:lumMod val="50000"/>
+            </a:schemeClr>
+          </a:solidFill>
+        </p:spPr>
+        <p:style>
+          <a:lnRef idx="2">
+            <a:schemeClr val="accent1">
+              <a:shade val="50000"/>
+            </a:schemeClr>
+          </a:lnRef>
+          <a:fillRef idx="1">
+            <a:schemeClr val="accent1"/>
+          </a:fillRef>
+          <a:effectRef idx="0">
+            <a:schemeClr val="accent1"/>
+          </a:effectRef>
+          <a:fontRef idx="minor">
+            <a:schemeClr val="lt1"/>
+          </a:fontRef>
+        </p:style>
+        <p:txBody>
+          <a:bodyPr rtlCol="0" anchor="ctr"/>
+          <a:lstStyle/>
+          <a:p>
+            <a:pPr algn="ctr"/>
+            <a:endParaRPr lang="fr-FR"/>
+          </a:p>
+        </p:txBody>
+      </p:sp>
+      <p:sp>
+        <p:nvSpPr>
+          <p:cNvPr id="9" name="Rectangle 8">
+            <a:extLst>
+              <a:ext uri="{FF2B5EF4-FFF2-40B4-BE49-F238E27FC236}">
+                <a16:creationId xmlns:a16="http://schemas.microsoft.com/office/drawing/2014/main" id="{43CFE71B-3257-424B-B407-0446A80952EC}"/>
+              </a:ext>
+            </a:extLst>
+          </p:cNvPr>
+          <p:cNvSpPr/>
+          <p:nvPr/>
+        </p:nvSpPr>
+        <p:spPr>
+          <a:xfrm rot="5400000">
+            <a:off x="-138767" y="1175096"/>
+            <a:ext cx="518164" cy="240631"/>
+          </a:xfrm>
+          <a:prstGeom prst="rect">
+            <a:avLst/>
+          </a:prstGeom>
+          <a:solidFill>
+            <a:schemeClr val="accent1">
+              <a:lumMod val="50000"/>
+            </a:schemeClr>
+          </a:solidFill>
+        </p:spPr>
+        <p:style>
+          <a:lnRef idx="2">
+            <a:schemeClr val="accent1">
+              <a:shade val="50000"/>
+            </a:schemeClr>
+          </a:lnRef>
+          <a:fillRef idx="1">
+            <a:schemeClr val="accent1"/>
+          </a:fillRef>
+          <a:effectRef idx="0">
+            <a:schemeClr val="accent1"/>
+          </a:effectRef>
+          <a:fontRef idx="minor">
+            <a:schemeClr val="lt1"/>
+          </a:fontRef>
+        </p:style>
+        <p:txBody>
+          <a:bodyPr rtlCol="0" anchor="ctr"/>
+          <a:lstStyle/>
+          <a:p>
+            <a:pPr algn="ctr"/>
+            <a:endParaRPr lang="fr-FR"/>
           </a:p>
         </p:txBody>
       </p:sp>
@@ -7742,12 +8086,8 @@
           <a:p>
             <a:r>
               <a:rPr lang="fr-FR" dirty="0"/>
-              <a:t>Partie General</a:t>
-            </a:r>
-            <a:br>
-              <a:rPr lang="fr-FR" dirty="0"/>
-            </a:br>
-            <a:endParaRPr lang="fr-FR" dirty="0"/>
+              <a:t>Mes taches au sein du projet</a:t>
+            </a:r>
           </a:p>
         </p:txBody>
       </p:sp>
@@ -7772,10 +8112,7 @@
           <a:bodyPr/>
           <a:lstStyle/>
           <a:p>
-            <a:r>
-              <a:rPr lang="fr-FR"/>
-              <a:t>Groupe olivier</a:t>
-            </a:r>
+            <a:endParaRPr lang="fr-FR" dirty="0"/>
           </a:p>
         </p:txBody>
       </p:sp>
@@ -7805,6 +8142,212 @@
               <a:t>4</a:t>
             </a:fld>
             <a:endParaRPr lang="en-US" dirty="0"/>
+          </a:p>
+        </p:txBody>
+      </p:sp>
+      <p:sp>
+        <p:nvSpPr>
+          <p:cNvPr id="6" name="Rectangle 5">
+            <a:extLst>
+              <a:ext uri="{FF2B5EF4-FFF2-40B4-BE49-F238E27FC236}">
+                <a16:creationId xmlns:a16="http://schemas.microsoft.com/office/drawing/2014/main" id="{712B7836-1DD7-4122-9F2A-8555DD0FDDE2}"/>
+              </a:ext>
+            </a:extLst>
+          </p:cNvPr>
+          <p:cNvSpPr/>
+          <p:nvPr/>
+        </p:nvSpPr>
+        <p:spPr>
+          <a:xfrm rot="16200000">
+            <a:off x="-3308685" y="3308684"/>
+            <a:ext cx="6858003" cy="240631"/>
+          </a:xfrm>
+          <a:prstGeom prst="rect">
+            <a:avLst/>
+          </a:prstGeom>
+          <a:ln>
+            <a:solidFill>
+              <a:srgbClr val="7D9B23">
+                <a:alpha val="47843"/>
+              </a:srgbClr>
+            </a:solidFill>
+          </a:ln>
+        </p:spPr>
+        <p:style>
+          <a:lnRef idx="2">
+            <a:schemeClr val="accent1">
+              <a:shade val="50000"/>
+            </a:schemeClr>
+          </a:lnRef>
+          <a:fillRef idx="1">
+            <a:schemeClr val="accent1"/>
+          </a:fillRef>
+          <a:effectRef idx="0">
+            <a:schemeClr val="accent1"/>
+          </a:effectRef>
+          <a:fontRef idx="minor">
+            <a:schemeClr val="lt1"/>
+          </a:fontRef>
+        </p:style>
+        <p:txBody>
+          <a:bodyPr rtlCol="0" anchor="ctr"/>
+          <a:lstStyle/>
+          <a:p>
+            <a:pPr algn="ctr"/>
+            <a:endParaRPr lang="fr-FR" dirty="0"/>
+          </a:p>
+        </p:txBody>
+      </p:sp>
+      <p:sp>
+        <p:nvSpPr>
+          <p:cNvPr id="7" name="Rectangle 6">
+            <a:extLst>
+              <a:ext uri="{FF2B5EF4-FFF2-40B4-BE49-F238E27FC236}">
+                <a16:creationId xmlns:a16="http://schemas.microsoft.com/office/drawing/2014/main" id="{0D4FAB7B-AC74-4789-B98C-108FC8826D91}"/>
+              </a:ext>
+            </a:extLst>
+          </p:cNvPr>
+          <p:cNvSpPr/>
+          <p:nvPr/>
+        </p:nvSpPr>
+        <p:spPr>
+          <a:xfrm rot="5400000">
+            <a:off x="-138767" y="138765"/>
+            <a:ext cx="518164" cy="240631"/>
+          </a:xfrm>
+          <a:prstGeom prst="rect">
+            <a:avLst/>
+          </a:prstGeom>
+          <a:solidFill>
+            <a:schemeClr val="accent1">
+              <a:lumMod val="50000"/>
+            </a:schemeClr>
+          </a:solidFill>
+        </p:spPr>
+        <p:style>
+          <a:lnRef idx="2">
+            <a:schemeClr val="accent1">
+              <a:shade val="50000"/>
+            </a:schemeClr>
+          </a:lnRef>
+          <a:fillRef idx="1">
+            <a:schemeClr val="accent1"/>
+          </a:fillRef>
+          <a:effectRef idx="0">
+            <a:schemeClr val="accent1"/>
+          </a:effectRef>
+          <a:fontRef idx="minor">
+            <a:schemeClr val="lt1"/>
+          </a:fontRef>
+        </p:style>
+        <p:txBody>
+          <a:bodyPr rtlCol="0" anchor="ctr"/>
+          <a:lstStyle/>
+          <a:p>
+            <a:pPr algn="ctr"/>
+            <a:endParaRPr lang="fr-FR"/>
+          </a:p>
+        </p:txBody>
+      </p:sp>
+      <p:sp>
+        <p:nvSpPr>
+          <p:cNvPr id="8" name="Rectangle 7">
+            <a:extLst>
+              <a:ext uri="{FF2B5EF4-FFF2-40B4-BE49-F238E27FC236}">
+                <a16:creationId xmlns:a16="http://schemas.microsoft.com/office/drawing/2014/main" id="{49EEDC72-7A73-4071-A0C5-1D189608B5AD}"/>
+              </a:ext>
+            </a:extLst>
+          </p:cNvPr>
+          <p:cNvSpPr/>
+          <p:nvPr/>
+        </p:nvSpPr>
+        <p:spPr>
+          <a:xfrm rot="5400000">
+            <a:off x="-138767" y="1175096"/>
+            <a:ext cx="518164" cy="240631"/>
+          </a:xfrm>
+          <a:prstGeom prst="rect">
+            <a:avLst/>
+          </a:prstGeom>
+          <a:solidFill>
+            <a:schemeClr val="accent1">
+              <a:lumMod val="50000"/>
+            </a:schemeClr>
+          </a:solidFill>
+        </p:spPr>
+        <p:style>
+          <a:lnRef idx="2">
+            <a:schemeClr val="accent1">
+              <a:shade val="50000"/>
+            </a:schemeClr>
+          </a:lnRef>
+          <a:fillRef idx="1">
+            <a:schemeClr val="accent1"/>
+          </a:fillRef>
+          <a:effectRef idx="0">
+            <a:schemeClr val="accent1"/>
+          </a:effectRef>
+          <a:fontRef idx="minor">
+            <a:schemeClr val="lt1"/>
+          </a:fontRef>
+        </p:style>
+        <p:txBody>
+          <a:bodyPr rtlCol="0" anchor="ctr"/>
+          <a:lstStyle/>
+          <a:p>
+            <a:pPr algn="ctr"/>
+            <a:endParaRPr lang="fr-FR"/>
+          </a:p>
+        </p:txBody>
+      </p:sp>
+      <p:sp>
+        <p:nvSpPr>
+          <p:cNvPr id="9" name="Rectangle 8">
+            <a:extLst>
+              <a:ext uri="{FF2B5EF4-FFF2-40B4-BE49-F238E27FC236}">
+                <a16:creationId xmlns:a16="http://schemas.microsoft.com/office/drawing/2014/main" id="{9FBDF709-6DA6-4DF9-8719-27875DA46FDC}"/>
+              </a:ext>
+            </a:extLst>
+          </p:cNvPr>
+          <p:cNvSpPr/>
+          <p:nvPr/>
+        </p:nvSpPr>
+        <p:spPr>
+          <a:xfrm rot="5400000">
+            <a:off x="-138770" y="2211426"/>
+            <a:ext cx="518164" cy="240631"/>
+          </a:xfrm>
+          <a:prstGeom prst="rect">
+            <a:avLst/>
+          </a:prstGeom>
+          <a:solidFill>
+            <a:schemeClr val="accent1">
+              <a:lumMod val="50000"/>
+            </a:schemeClr>
+          </a:solidFill>
+        </p:spPr>
+        <p:style>
+          <a:lnRef idx="2">
+            <a:schemeClr val="accent1">
+              <a:shade val="50000"/>
+            </a:schemeClr>
+          </a:lnRef>
+          <a:fillRef idx="1">
+            <a:schemeClr val="accent1"/>
+          </a:fillRef>
+          <a:effectRef idx="0">
+            <a:schemeClr val="accent1"/>
+          </a:effectRef>
+          <a:fontRef idx="minor">
+            <a:schemeClr val="lt1"/>
+          </a:fontRef>
+        </p:style>
+        <p:txBody>
+          <a:bodyPr rtlCol="0" anchor="ctr"/>
+          <a:lstStyle/>
+          <a:p>
+            <a:pPr algn="ctr"/>
+            <a:endParaRPr lang="fr-FR"/>
           </a:p>
         </p:txBody>
       </p:sp>
@@ -7861,7 +8404,7 @@
           <a:p>
             <a:r>
               <a:rPr lang="fr-FR" dirty="0"/>
-              <a:t>Partie Personnel</a:t>
+              <a:t>Matériel et logiciel</a:t>
             </a:r>
             <a:br>
               <a:rPr lang="fr-FR" dirty="0"/>
@@ -7870,31 +8413,34 @@
           </a:p>
         </p:txBody>
       </p:sp>
-      <p:sp>
-        <p:nvSpPr>
-          <p:cNvPr id="3" name="Espace réservé du contenu 2">
+      <p:pic>
+        <p:nvPicPr>
+          <p:cNvPr id="13" name="Espace réservé du contenu 12" descr="Une image contenant équipement électronique, circuit&#10;&#10;Description générée automatiquement">
             <a:extLst>
               <a:ext uri="{FF2B5EF4-FFF2-40B4-BE49-F238E27FC236}">
-                <a16:creationId xmlns:a16="http://schemas.microsoft.com/office/drawing/2014/main" id="{6AADA3AD-0A79-46FC-95CA-ECF83EED9BA5}"/>
+                <a16:creationId xmlns:a16="http://schemas.microsoft.com/office/drawing/2014/main" id="{C804DE37-66BD-4F54-B35C-8C6212E22FA1}"/>
               </a:ext>
             </a:extLst>
           </p:cNvPr>
-          <p:cNvSpPr>
-            <a:spLocks noGrp="1"/>
-          </p:cNvSpPr>
+          <p:cNvPicPr>
+            <a:picLocks noGrp="1" noChangeAspect="1"/>
+          </p:cNvPicPr>
           <p:nvPr>
             <p:ph idx="1"/>
           </p:nvPr>
-        </p:nvSpPr>
-        <p:spPr/>
-        <p:txBody>
-          <a:bodyPr/>
-          <a:lstStyle/>
-          <a:p>
-            <a:endParaRPr lang="fr-FR"/>
-          </a:p>
-        </p:txBody>
-      </p:sp>
+        </p:nvPicPr>
+        <p:blipFill rotWithShape="1">
+          <a:blip r:embed="rId2"/>
+          <a:srcRect t="25912" b="26567"/>
+          <a:stretch/>
+        </p:blipFill>
+        <p:spPr>
+          <a:xfrm>
+            <a:off x="4673440" y="3263900"/>
+            <a:ext cx="4195762" cy="1993900"/>
+          </a:xfrm>
+        </p:spPr>
+      </p:pic>
       <p:sp>
         <p:nvSpPr>
           <p:cNvPr id="4" name="Espace réservé du numéro de diapositive 3">
@@ -7924,6 +8470,456 @@
           </a:p>
         </p:txBody>
       </p:sp>
+      <p:sp>
+        <p:nvSpPr>
+          <p:cNvPr id="5" name="Rectangle 4">
+            <a:extLst>
+              <a:ext uri="{FF2B5EF4-FFF2-40B4-BE49-F238E27FC236}">
+                <a16:creationId xmlns:a16="http://schemas.microsoft.com/office/drawing/2014/main" id="{2530101E-CD44-4C62-AFCE-8012628D3C33}"/>
+              </a:ext>
+            </a:extLst>
+          </p:cNvPr>
+          <p:cNvSpPr/>
+          <p:nvPr/>
+        </p:nvSpPr>
+        <p:spPr>
+          <a:xfrm rot="16200000">
+            <a:off x="-3308685" y="3308684"/>
+            <a:ext cx="6858003" cy="240631"/>
+          </a:xfrm>
+          <a:prstGeom prst="rect">
+            <a:avLst/>
+          </a:prstGeom>
+          <a:ln>
+            <a:solidFill>
+              <a:srgbClr val="7D9B23">
+                <a:alpha val="47843"/>
+              </a:srgbClr>
+            </a:solidFill>
+          </a:ln>
+        </p:spPr>
+        <p:style>
+          <a:lnRef idx="2">
+            <a:schemeClr val="accent1">
+              <a:shade val="50000"/>
+            </a:schemeClr>
+          </a:lnRef>
+          <a:fillRef idx="1">
+            <a:schemeClr val="accent1"/>
+          </a:fillRef>
+          <a:effectRef idx="0">
+            <a:schemeClr val="accent1"/>
+          </a:effectRef>
+          <a:fontRef idx="minor">
+            <a:schemeClr val="lt1"/>
+          </a:fontRef>
+        </p:style>
+        <p:txBody>
+          <a:bodyPr rtlCol="0" anchor="ctr"/>
+          <a:lstStyle/>
+          <a:p>
+            <a:pPr algn="ctr"/>
+            <a:endParaRPr lang="fr-FR" dirty="0">
+              <a:highlight>
+                <a:srgbClr val="FF0000"/>
+              </a:highlight>
+            </a:endParaRPr>
+          </a:p>
+        </p:txBody>
+      </p:sp>
+      <p:sp>
+        <p:nvSpPr>
+          <p:cNvPr id="6" name="Rectangle 5">
+            <a:extLst>
+              <a:ext uri="{FF2B5EF4-FFF2-40B4-BE49-F238E27FC236}">
+                <a16:creationId xmlns:a16="http://schemas.microsoft.com/office/drawing/2014/main" id="{A445F3F3-BB33-4E3F-A5C0-F6A251BCD7C3}"/>
+              </a:ext>
+            </a:extLst>
+          </p:cNvPr>
+          <p:cNvSpPr/>
+          <p:nvPr/>
+        </p:nvSpPr>
+        <p:spPr>
+          <a:xfrm rot="5400000">
+            <a:off x="-138767" y="138765"/>
+            <a:ext cx="518164" cy="240631"/>
+          </a:xfrm>
+          <a:prstGeom prst="rect">
+            <a:avLst/>
+          </a:prstGeom>
+          <a:solidFill>
+            <a:schemeClr val="accent1">
+              <a:lumMod val="50000"/>
+            </a:schemeClr>
+          </a:solidFill>
+        </p:spPr>
+        <p:style>
+          <a:lnRef idx="2">
+            <a:schemeClr val="accent1">
+              <a:shade val="50000"/>
+            </a:schemeClr>
+          </a:lnRef>
+          <a:fillRef idx="1">
+            <a:schemeClr val="accent1"/>
+          </a:fillRef>
+          <a:effectRef idx="0">
+            <a:schemeClr val="accent1"/>
+          </a:effectRef>
+          <a:fontRef idx="minor">
+            <a:schemeClr val="lt1"/>
+          </a:fontRef>
+        </p:style>
+        <p:txBody>
+          <a:bodyPr rtlCol="0" anchor="ctr"/>
+          <a:lstStyle/>
+          <a:p>
+            <a:pPr algn="ctr"/>
+            <a:endParaRPr lang="fr-FR"/>
+          </a:p>
+        </p:txBody>
+      </p:sp>
+      <p:sp>
+        <p:nvSpPr>
+          <p:cNvPr id="7" name="Rectangle 6">
+            <a:extLst>
+              <a:ext uri="{FF2B5EF4-FFF2-40B4-BE49-F238E27FC236}">
+                <a16:creationId xmlns:a16="http://schemas.microsoft.com/office/drawing/2014/main" id="{4F1B7E30-0D37-4EB0-8109-C0D90E0A67B2}"/>
+              </a:ext>
+            </a:extLst>
+          </p:cNvPr>
+          <p:cNvSpPr/>
+          <p:nvPr/>
+        </p:nvSpPr>
+        <p:spPr>
+          <a:xfrm rot="5400000">
+            <a:off x="-138767" y="1175096"/>
+            <a:ext cx="518164" cy="240631"/>
+          </a:xfrm>
+          <a:prstGeom prst="rect">
+            <a:avLst/>
+          </a:prstGeom>
+          <a:solidFill>
+            <a:schemeClr val="accent1">
+              <a:lumMod val="50000"/>
+            </a:schemeClr>
+          </a:solidFill>
+        </p:spPr>
+        <p:style>
+          <a:lnRef idx="2">
+            <a:schemeClr val="accent1">
+              <a:shade val="50000"/>
+            </a:schemeClr>
+          </a:lnRef>
+          <a:fillRef idx="1">
+            <a:schemeClr val="accent1"/>
+          </a:fillRef>
+          <a:effectRef idx="0">
+            <a:schemeClr val="accent1"/>
+          </a:effectRef>
+          <a:fontRef idx="minor">
+            <a:schemeClr val="lt1"/>
+          </a:fontRef>
+        </p:style>
+        <p:txBody>
+          <a:bodyPr rtlCol="0" anchor="ctr"/>
+          <a:lstStyle/>
+          <a:p>
+            <a:pPr algn="ctr"/>
+            <a:endParaRPr lang="fr-FR"/>
+          </a:p>
+        </p:txBody>
+      </p:sp>
+      <p:sp>
+        <p:nvSpPr>
+          <p:cNvPr id="8" name="Rectangle 7">
+            <a:extLst>
+              <a:ext uri="{FF2B5EF4-FFF2-40B4-BE49-F238E27FC236}">
+                <a16:creationId xmlns:a16="http://schemas.microsoft.com/office/drawing/2014/main" id="{40FD0F20-0BD8-4647-BF45-3441CBDBEB19}"/>
+              </a:ext>
+            </a:extLst>
+          </p:cNvPr>
+          <p:cNvSpPr/>
+          <p:nvPr/>
+        </p:nvSpPr>
+        <p:spPr>
+          <a:xfrm rot="5400000">
+            <a:off x="-138770" y="2211426"/>
+            <a:ext cx="518164" cy="240631"/>
+          </a:xfrm>
+          <a:prstGeom prst="rect">
+            <a:avLst/>
+          </a:prstGeom>
+          <a:solidFill>
+            <a:schemeClr val="accent1">
+              <a:lumMod val="50000"/>
+            </a:schemeClr>
+          </a:solidFill>
+        </p:spPr>
+        <p:style>
+          <a:lnRef idx="2">
+            <a:schemeClr val="accent1">
+              <a:shade val="50000"/>
+            </a:schemeClr>
+          </a:lnRef>
+          <a:fillRef idx="1">
+            <a:schemeClr val="accent1"/>
+          </a:fillRef>
+          <a:effectRef idx="0">
+            <a:schemeClr val="accent1"/>
+          </a:effectRef>
+          <a:fontRef idx="minor">
+            <a:schemeClr val="lt1"/>
+          </a:fontRef>
+        </p:style>
+        <p:txBody>
+          <a:bodyPr rtlCol="0" anchor="ctr"/>
+          <a:lstStyle/>
+          <a:p>
+            <a:pPr algn="ctr"/>
+            <a:endParaRPr lang="fr-FR"/>
+          </a:p>
+        </p:txBody>
+      </p:sp>
+      <p:sp>
+        <p:nvSpPr>
+          <p:cNvPr id="9" name="Rectangle 8">
+            <a:extLst>
+              <a:ext uri="{FF2B5EF4-FFF2-40B4-BE49-F238E27FC236}">
+                <a16:creationId xmlns:a16="http://schemas.microsoft.com/office/drawing/2014/main" id="{F0157F06-3336-42FB-A698-E1704E4E6BBF}"/>
+              </a:ext>
+            </a:extLst>
+          </p:cNvPr>
+          <p:cNvSpPr/>
+          <p:nvPr/>
+        </p:nvSpPr>
+        <p:spPr>
+          <a:xfrm rot="5400000">
+            <a:off x="-138770" y="3247757"/>
+            <a:ext cx="518164" cy="240631"/>
+          </a:xfrm>
+          <a:prstGeom prst="rect">
+            <a:avLst/>
+          </a:prstGeom>
+          <a:solidFill>
+            <a:schemeClr val="accent1">
+              <a:lumMod val="50000"/>
+            </a:schemeClr>
+          </a:solidFill>
+        </p:spPr>
+        <p:style>
+          <a:lnRef idx="2">
+            <a:schemeClr val="accent1">
+              <a:shade val="50000"/>
+            </a:schemeClr>
+          </a:lnRef>
+          <a:fillRef idx="1">
+            <a:schemeClr val="accent1"/>
+          </a:fillRef>
+          <a:effectRef idx="0">
+            <a:schemeClr val="accent1"/>
+          </a:effectRef>
+          <a:fontRef idx="minor">
+            <a:schemeClr val="lt1"/>
+          </a:fontRef>
+        </p:style>
+        <p:txBody>
+          <a:bodyPr rtlCol="0" anchor="ctr"/>
+          <a:lstStyle/>
+          <a:p>
+            <a:pPr algn="ctr"/>
+            <a:endParaRPr lang="fr-FR"/>
+          </a:p>
+        </p:txBody>
+      </p:sp>
+      <p:pic>
+        <p:nvPicPr>
+          <p:cNvPr id="15" name="Image 14" descr="Une image contenant équipement électronique&#10;&#10;Description générée automatiquement">
+            <a:extLst>
+              <a:ext uri="{FF2B5EF4-FFF2-40B4-BE49-F238E27FC236}">
+                <a16:creationId xmlns:a16="http://schemas.microsoft.com/office/drawing/2014/main" id="{D14B1A4F-623B-46AE-A4ED-AB918C3E5830}"/>
+              </a:ext>
+            </a:extLst>
+          </p:cNvPr>
+          <p:cNvPicPr>
+            <a:picLocks noChangeAspect="1"/>
+          </p:cNvPicPr>
+          <p:nvPr/>
+        </p:nvPicPr>
+        <p:blipFill>
+          <a:blip r:embed="rId3"/>
+          <a:stretch>
+            <a:fillRect/>
+          </a:stretch>
+        </p:blipFill>
+        <p:spPr>
+          <a:xfrm>
+            <a:off x="7092537" y="471008"/>
+            <a:ext cx="2508663" cy="2087566"/>
+          </a:xfrm>
+          <a:prstGeom prst="rect">
+            <a:avLst/>
+          </a:prstGeom>
+        </p:spPr>
+      </p:pic>
+      <p:pic>
+        <p:nvPicPr>
+          <p:cNvPr id="17" name="Image 16">
+            <a:extLst>
+              <a:ext uri="{FF2B5EF4-FFF2-40B4-BE49-F238E27FC236}">
+                <a16:creationId xmlns:a16="http://schemas.microsoft.com/office/drawing/2014/main" id="{81E2FAA5-90A1-4C6A-8455-08BE30EFD252}"/>
+              </a:ext>
+            </a:extLst>
+          </p:cNvPr>
+          <p:cNvPicPr>
+            <a:picLocks noChangeAspect="1"/>
+          </p:cNvPicPr>
+          <p:nvPr/>
+        </p:nvPicPr>
+        <p:blipFill rotWithShape="1">
+          <a:blip r:embed="rId4"/>
+          <a:srcRect l="1470" t="4233" r="4562" b="4576"/>
+          <a:stretch/>
+        </p:blipFill>
+        <p:spPr>
+          <a:xfrm>
+            <a:off x="9144000" y="2908300"/>
+            <a:ext cx="1308100" cy="1117600"/>
+          </a:xfrm>
+          <a:prstGeom prst="rect">
+            <a:avLst/>
+          </a:prstGeom>
+        </p:spPr>
+      </p:pic>
+      <p:pic>
+        <p:nvPicPr>
+          <p:cNvPr id="19" name="Image 18">
+            <a:extLst>
+              <a:ext uri="{FF2B5EF4-FFF2-40B4-BE49-F238E27FC236}">
+                <a16:creationId xmlns:a16="http://schemas.microsoft.com/office/drawing/2014/main" id="{3B7D19D3-C014-4961-A344-3EA5BB34FE7C}"/>
+              </a:ext>
+            </a:extLst>
+          </p:cNvPr>
+          <p:cNvPicPr>
+            <a:picLocks noChangeAspect="1"/>
+          </p:cNvPicPr>
+          <p:nvPr/>
+        </p:nvPicPr>
+        <p:blipFill>
+          <a:blip r:embed="rId5"/>
+          <a:stretch>
+            <a:fillRect/>
+          </a:stretch>
+        </p:blipFill>
+        <p:spPr>
+          <a:xfrm>
+            <a:off x="646106" y="1295411"/>
+            <a:ext cx="4519490" cy="1968489"/>
+          </a:xfrm>
+          <a:prstGeom prst="rect">
+            <a:avLst/>
+          </a:prstGeom>
+        </p:spPr>
+      </p:pic>
+      <p:pic>
+        <p:nvPicPr>
+          <p:cNvPr id="20" name="Image 19">
+            <a:extLst>
+              <a:ext uri="{FF2B5EF4-FFF2-40B4-BE49-F238E27FC236}">
+                <a16:creationId xmlns:a16="http://schemas.microsoft.com/office/drawing/2014/main" id="{E70EBEB2-0AD2-489B-A0EB-2415B60CDF33}"/>
+              </a:ext>
+            </a:extLst>
+          </p:cNvPr>
+          <p:cNvPicPr/>
+          <p:nvPr/>
+        </p:nvPicPr>
+        <p:blipFill rotWithShape="1">
+          <a:blip r:embed="rId6">
+            <a:extLst>
+              <a:ext uri="{BEBA8EAE-BF5A-486C-A8C5-ECC9F3942E4B}">
+                <a14:imgProps xmlns:a14="http://schemas.microsoft.com/office/drawing/2010/main">
+                  <a14:imgLayer r:embed="rId7">
+                    <a14:imgEffect>
+                      <a14:backgroundRemoval t="10000" b="90000" l="10000" r="90000">
+                        <a14:foregroundMark x1="51290" y1="36196" x2="32581" y2="38650"/>
+                        <a14:foregroundMark x1="32581" y1="38650" x2="50323" y2="39877"/>
+                        <a14:foregroundMark x1="50323" y1="39877" x2="33871" y2="36810"/>
+                        <a14:foregroundMark x1="33871" y1="36810" x2="56452" y2="36196"/>
+                        <a14:foregroundMark x1="56452" y1="36196" x2="41935" y2="52761"/>
+                        <a14:foregroundMark x1="41935" y1="52761" x2="63548" y2="72393"/>
+                        <a14:foregroundMark x1="63548" y1="72393" x2="45484" y2="62577"/>
+                        <a14:foregroundMark x1="45484" y1="62577" x2="42258" y2="63190"/>
+                        <a14:foregroundMark x1="56129" y1="46012" x2="54839" y2="44785"/>
+                        <a14:foregroundMark x1="59355" y1="65031" x2="59355" y2="63190"/>
+                        <a14:foregroundMark x1="42258" y1="59509" x2="40000" y2="63804"/>
+                        <a14:foregroundMark x1="48710" y1="13497" x2="34516" y2="28834"/>
+                        <a14:foregroundMark x1="34516" y1="28834" x2="31613" y2="58896"/>
+                        <a14:foregroundMark x1="31613" y1="58896" x2="42903" y2="82209"/>
+                        <a14:foregroundMark x1="42903" y1="82209" x2="59355" y2="82822"/>
+                        <a14:foregroundMark x1="59355" y1="82822" x2="68387" y2="55828"/>
+                        <a14:foregroundMark x1="68387" y1="55828" x2="63871" y2="25767"/>
+                        <a14:foregroundMark x1="63871" y1="25767" x2="48710" y2="12270"/>
+                        <a14:foregroundMark x1="48710" y1="12270" x2="48065" y2="12883"/>
+                        <a14:foregroundMark x1="35806" y1="25153" x2="29355" y2="53988"/>
+                        <a14:foregroundMark x1="29355" y1="53988" x2="30323" y2="46012"/>
+                        <a14:foregroundMark x1="30968" y1="41104" x2="33871" y2="25153"/>
+                        <a14:foregroundMark x1="33226" y1="31902" x2="30645" y2="47853"/>
+                        <a14:foregroundMark x1="67419" y1="60736" x2="68065" y2="33742"/>
+                        <a14:foregroundMark x1="66774" y1="30675" x2="67419" y2="31288"/>
+                        <a14:foregroundMark x1="67419" y1="32515" x2="54516" y2="13497"/>
+                        <a14:foregroundMark x1="54516" y1="13497" x2="38387" y2="12270"/>
+                        <a14:foregroundMark x1="38387" y1="12270" x2="35161" y2="31288"/>
+                        <a14:foregroundMark x1="48065" y1="15337" x2="64516" y2="22086"/>
+                        <a14:foregroundMark x1="64516" y1="22086" x2="68065" y2="39877"/>
+                        <a14:foregroundMark x1="65161" y1="27607" x2="49355" y2="12883"/>
+                        <a14:foregroundMark x1="49355" y1="12883" x2="43871" y2="12883"/>
+                        <a14:foregroundMark x1="49355" y1="12270" x2="63226" y2="26380"/>
+                        <a14:foregroundMark x1="61935" y1="23313" x2="45484" y2="17178"/>
+                        <a14:foregroundMark x1="45484" y1="17178" x2="45484" y2="17178"/>
+                        <a14:foregroundMark x1="56452" y1="11043" x2="63548" y2="21472"/>
+                        <a14:foregroundMark x1="57097" y1="15337" x2="47419" y2="11656"/>
+                        <a14:foregroundMark x1="68065" y1="38037" x2="67419" y2="68712"/>
+                        <a14:foregroundMark x1="67419" y1="68712" x2="61290" y2="79141"/>
+                        <a14:foregroundMark x1="67419" y1="68098" x2="69355" y2="31902"/>
+                        <a14:foregroundMark x1="69355" y1="31902" x2="68065" y2="26380"/>
+                        <a14:foregroundMark x1="68710" y1="34969" x2="69355" y2="65644"/>
+                        <a14:foregroundMark x1="69355" y1="65644" x2="68710" y2="69325"/>
+                        <a14:foregroundMark x1="60645" y1="82209" x2="44516" y2="85890"/>
+                        <a14:foregroundMark x1="44516" y1="85890" x2="38387" y2="82822"/>
+                        <a14:foregroundMark x1="53871" y1="88344" x2="51290" y2="85890"/>
+                        <a14:foregroundMark x1="39355" y1="79141" x2="30323" y2="55215"/>
+                        <a14:foregroundMark x1="36774" y1="77914" x2="28387" y2="58896"/>
+                        <a14:foregroundMark x1="30968" y1="45399" x2="30968" y2="41718"/>
+                      </a14:backgroundRemoval>
+                    </a14:imgEffect>
+                  </a14:imgLayer>
+                </a14:imgProps>
+              </a:ext>
+              <a:ext uri="{28A0092B-C50C-407E-A947-70E740481C1C}">
+                <a14:useLocalDpi xmlns:a14="http://schemas.microsoft.com/office/drawing/2010/main" val="0"/>
+              </a:ext>
+            </a:extLst>
+          </a:blip>
+          <a:srcRect l="29618" t="11328" r="30470" b="12686"/>
+          <a:stretch/>
+        </p:blipFill>
+        <p:spPr bwMode="auto">
+          <a:xfrm>
+            <a:off x="5785485" y="3118167"/>
+            <a:ext cx="621030" cy="621665"/>
+          </a:xfrm>
+          <a:prstGeom prst="rect">
+            <a:avLst/>
+          </a:prstGeom>
+          <a:ln>
+            <a:noFill/>
+          </a:ln>
+          <a:extLst>
+            <a:ext uri="{53640926-AAD7-44D8-BBD7-CCE9431645EC}">
+              <a14:shadowObscured xmlns:a14="http://schemas.microsoft.com/office/drawing/2010/main"/>
+            </a:ext>
+          </a:extLst>
+        </p:spPr>
+      </p:pic>
     </p:spTree>
     <p:extLst>
       <p:ext uri="{BB962C8B-B14F-4D97-AF65-F5344CB8AC3E}">

--- a/Partie personnelle Lucas MINAUD/revue/Projet SFL5 revue 2.pptx
+++ b/Partie personnelle Lucas MINAUD/revue/Projet SFL5 revue 2.pptx
@@ -7498,19 +7498,19 @@
           <a:p>
             <a:r>
               <a:rPr lang="fr-FR" dirty="0"/>
-              <a:t>Présentation</a:t>
+              <a:t>Présentation du projet</a:t>
             </a:r>
           </a:p>
           <a:p>
             <a:r>
               <a:rPr lang="fr-FR" dirty="0"/>
-              <a:t>Partie General</a:t>
+              <a:t>Mes taches au sein du projet</a:t>
             </a:r>
           </a:p>
           <a:p>
             <a:r>
               <a:rPr lang="fr-FR" dirty="0"/>
-              <a:t>Partie Personnel</a:t>
+              <a:t>Matériel et logiciel </a:t>
             </a:r>
           </a:p>
           <a:p>
@@ -8436,7 +8436,7 @@
         </p:blipFill>
         <p:spPr>
           <a:xfrm>
-            <a:off x="4673440" y="3263900"/>
+            <a:off x="6764665" y="4185955"/>
             <a:ext cx="4195762" cy="1993900"/>
           </a:xfrm>
         </p:spPr>
@@ -8753,7 +8753,7 @@
         </p:blipFill>
         <p:spPr>
           <a:xfrm>
-            <a:off x="7092537" y="471008"/>
+            <a:off x="6353883" y="1218067"/>
             <a:ext cx="2508663" cy="2087566"/>
           </a:xfrm>
           <a:prstGeom prst="rect">
@@ -8782,7 +8782,7 @@
         </p:blipFill>
         <p:spPr>
           <a:xfrm>
-            <a:off x="9144000" y="2908300"/>
+            <a:off x="9901688" y="2188033"/>
             <a:ext cx="1308100" cy="1117600"/>
           </a:xfrm>
           <a:prstGeom prst="rect">
@@ -8835,65 +8835,6 @@
         <p:blipFill rotWithShape="1">
           <a:blip r:embed="rId6">
             <a:extLst>
-              <a:ext uri="{BEBA8EAE-BF5A-486C-A8C5-ECC9F3942E4B}">
-                <a14:imgProps xmlns:a14="http://schemas.microsoft.com/office/drawing/2010/main">
-                  <a14:imgLayer r:embed="rId7">
-                    <a14:imgEffect>
-                      <a14:backgroundRemoval t="10000" b="90000" l="10000" r="90000">
-                        <a14:foregroundMark x1="51290" y1="36196" x2="32581" y2="38650"/>
-                        <a14:foregroundMark x1="32581" y1="38650" x2="50323" y2="39877"/>
-                        <a14:foregroundMark x1="50323" y1="39877" x2="33871" y2="36810"/>
-                        <a14:foregroundMark x1="33871" y1="36810" x2="56452" y2="36196"/>
-                        <a14:foregroundMark x1="56452" y1="36196" x2="41935" y2="52761"/>
-                        <a14:foregroundMark x1="41935" y1="52761" x2="63548" y2="72393"/>
-                        <a14:foregroundMark x1="63548" y1="72393" x2="45484" y2="62577"/>
-                        <a14:foregroundMark x1="45484" y1="62577" x2="42258" y2="63190"/>
-                        <a14:foregroundMark x1="56129" y1="46012" x2="54839" y2="44785"/>
-                        <a14:foregroundMark x1="59355" y1="65031" x2="59355" y2="63190"/>
-                        <a14:foregroundMark x1="42258" y1="59509" x2="40000" y2="63804"/>
-                        <a14:foregroundMark x1="48710" y1="13497" x2="34516" y2="28834"/>
-                        <a14:foregroundMark x1="34516" y1="28834" x2="31613" y2="58896"/>
-                        <a14:foregroundMark x1="31613" y1="58896" x2="42903" y2="82209"/>
-                        <a14:foregroundMark x1="42903" y1="82209" x2="59355" y2="82822"/>
-                        <a14:foregroundMark x1="59355" y1="82822" x2="68387" y2="55828"/>
-                        <a14:foregroundMark x1="68387" y1="55828" x2="63871" y2="25767"/>
-                        <a14:foregroundMark x1="63871" y1="25767" x2="48710" y2="12270"/>
-                        <a14:foregroundMark x1="48710" y1="12270" x2="48065" y2="12883"/>
-                        <a14:foregroundMark x1="35806" y1="25153" x2="29355" y2="53988"/>
-                        <a14:foregroundMark x1="29355" y1="53988" x2="30323" y2="46012"/>
-                        <a14:foregroundMark x1="30968" y1="41104" x2="33871" y2="25153"/>
-                        <a14:foregroundMark x1="33226" y1="31902" x2="30645" y2="47853"/>
-                        <a14:foregroundMark x1="67419" y1="60736" x2="68065" y2="33742"/>
-                        <a14:foregroundMark x1="66774" y1="30675" x2="67419" y2="31288"/>
-                        <a14:foregroundMark x1="67419" y1="32515" x2="54516" y2="13497"/>
-                        <a14:foregroundMark x1="54516" y1="13497" x2="38387" y2="12270"/>
-                        <a14:foregroundMark x1="38387" y1="12270" x2="35161" y2="31288"/>
-                        <a14:foregroundMark x1="48065" y1="15337" x2="64516" y2="22086"/>
-                        <a14:foregroundMark x1="64516" y1="22086" x2="68065" y2="39877"/>
-                        <a14:foregroundMark x1="65161" y1="27607" x2="49355" y2="12883"/>
-                        <a14:foregroundMark x1="49355" y1="12883" x2="43871" y2="12883"/>
-                        <a14:foregroundMark x1="49355" y1="12270" x2="63226" y2="26380"/>
-                        <a14:foregroundMark x1="61935" y1="23313" x2="45484" y2="17178"/>
-                        <a14:foregroundMark x1="45484" y1="17178" x2="45484" y2="17178"/>
-                        <a14:foregroundMark x1="56452" y1="11043" x2="63548" y2="21472"/>
-                        <a14:foregroundMark x1="57097" y1="15337" x2="47419" y2="11656"/>
-                        <a14:foregroundMark x1="68065" y1="38037" x2="67419" y2="68712"/>
-                        <a14:foregroundMark x1="67419" y1="68712" x2="61290" y2="79141"/>
-                        <a14:foregroundMark x1="67419" y1="68098" x2="69355" y2="31902"/>
-                        <a14:foregroundMark x1="69355" y1="31902" x2="68065" y2="26380"/>
-                        <a14:foregroundMark x1="68710" y1="34969" x2="69355" y2="65644"/>
-                        <a14:foregroundMark x1="69355" y1="65644" x2="68710" y2="69325"/>
-                        <a14:foregroundMark x1="60645" y1="82209" x2="44516" y2="85890"/>
-                        <a14:foregroundMark x1="44516" y1="85890" x2="38387" y2="82822"/>
-                        <a14:foregroundMark x1="53871" y1="88344" x2="51290" y2="85890"/>
-                        <a14:foregroundMark x1="39355" y1="79141" x2="30323" y2="55215"/>
-                        <a14:foregroundMark x1="36774" y1="77914" x2="28387" y2="58896"/>
-                        <a14:foregroundMark x1="30968" y1="45399" x2="30968" y2="41718"/>
-                      </a14:backgroundRemoval>
-                    </a14:imgEffect>
-                  </a14:imgLayer>
-                </a14:imgProps>
-              </a:ext>
               <a:ext uri="{28A0092B-C50C-407E-A947-70E740481C1C}">
                 <a14:useLocalDpi xmlns:a14="http://schemas.microsoft.com/office/drawing/2010/main" val="0"/>
               </a:ext>
@@ -8904,8 +8845,8 @@
         </p:blipFill>
         <p:spPr bwMode="auto">
           <a:xfrm>
-            <a:off x="5785485" y="3118167"/>
-            <a:ext cx="621030" cy="621665"/>
+            <a:off x="1022985" y="3627155"/>
+            <a:ext cx="1120140" cy="1117600"/>
           </a:xfrm>
           <a:prstGeom prst="rect">
             <a:avLst/>
